--- a/web/b26/2 Academic Writing and Oral Presentation.pptx
+++ b/web/b26/2 Academic Writing and Oral Presentation.pptx
@@ -258,20 +258,12 @@
 </p:presentation>
 </file>
 
-<file path=ppt/revisionInfo.xml><?xml version="1.0" encoding="utf-8"?>
-<p1510:revInfo xmlns:a="http://schemas.openxmlformats.org/drawingml/2006/main" xmlns:r="http://schemas.openxmlformats.org/officeDocument/2006/relationships" xmlns:p1510="http://schemas.microsoft.com/office/powerpoint/2015/10/main">
-  <p1510:revLst>
-    <p1510:client id="{3852ADF5-FB49-401E-94CE-0A588BECFB60}" v="1" dt="2026-02-09T16:40:26.670"/>
-  </p1510:revLst>
-</p1510:revInfo>
-</file>
-
 <file path=ppt/changesInfos/changesInfo1.xml><?xml version="1.0" encoding="utf-8"?>
 <pc:chgInfo xmlns:a="http://schemas.openxmlformats.org/drawingml/2006/main" xmlns:r="http://schemas.openxmlformats.org/officeDocument/2006/relationships" xmlns:ac="http://schemas.microsoft.com/office/drawing/2013/main/command" xmlns:pc="http://schemas.microsoft.com/office/powerpoint/2013/main/command">
   <pc:docChgLst>
     <pc:chgData name="Kurt Jensen" userId="536d7847-4321-45c6-997a-4b9f60543789" providerId="ADAL" clId="{E17C5AF6-11E3-421A-B6F2-416B0C981305}"/>
     <pc:docChg chg="custSel modSld">
-      <pc:chgData name="Kurt Jensen" userId="536d7847-4321-45c6-997a-4b9f60543789" providerId="ADAL" clId="{E17C5AF6-11E3-421A-B6F2-416B0C981305}" dt="2026-02-09T16:49:46.792" v="11" actId="14100"/>
+      <pc:chgData name="Kurt Jensen" userId="536d7847-4321-45c6-997a-4b9f60543789" providerId="ADAL" clId="{E17C5AF6-11E3-421A-B6F2-416B0C981305}" dt="2026-02-10T21:01:27.939" v="12" actId="20577"/>
       <pc:docMkLst>
         <pc:docMk/>
       </pc:docMkLst>
@@ -314,7 +306,7 @@
         </pc:picChg>
       </pc:sldChg>
       <pc:sldChg chg="addSp modSp mod">
-        <pc:chgData name="Kurt Jensen" userId="536d7847-4321-45c6-997a-4b9f60543789" providerId="ADAL" clId="{E17C5AF6-11E3-421A-B6F2-416B0C981305}" dt="2026-02-09T16:41:10.865" v="6" actId="120"/>
+        <pc:chgData name="Kurt Jensen" userId="536d7847-4321-45c6-997a-4b9f60543789" providerId="ADAL" clId="{E17C5AF6-11E3-421A-B6F2-416B0C981305}" dt="2026-02-10T21:01:27.939" v="12" actId="20577"/>
         <pc:sldMkLst>
           <pc:docMk/>
           <pc:sldMk cId="108957319" sldId="446"/>
@@ -325,6 +317,14 @@
             <pc:docMk/>
             <pc:sldMk cId="108957319" sldId="446"/>
             <ac:spMk id="2" creationId="{1D717F3A-2462-AD31-7DFB-3D2D887F8D5C}"/>
+          </ac:spMkLst>
+        </pc:spChg>
+        <pc:spChg chg="mod">
+          <ac:chgData name="Kurt Jensen" userId="536d7847-4321-45c6-997a-4b9f60543789" providerId="ADAL" clId="{E17C5AF6-11E3-421A-B6F2-416B0C981305}" dt="2026-02-10T21:01:27.939" v="12" actId="20577"/>
+          <ac:spMkLst>
+            <pc:docMk/>
+            <pc:sldMk cId="108957319" sldId="446"/>
+            <ac:spMk id="8" creationId="{00000000-0000-0000-0000-000000000000}"/>
           </ac:spMkLst>
         </pc:spChg>
       </pc:sldChg>
@@ -21676,8 +21676,21 @@
                   <a:srgbClr val="A50021"/>
                 </a:solidFill>
               </a:rPr>
-              <a:t>Many of the guidelines given for the written report also apply to oral presentations</a:t>
-            </a:r>
+              <a:t>Many of the guidelines given for the written report also apply to </a:t>
+            </a:r>
+            <a:r>
+              <a:rPr lang="en-GB" altLang="da-DK" sz="1800" b="1">
+                <a:solidFill>
+                  <a:srgbClr val="A50021"/>
+                </a:solidFill>
+              </a:rPr>
+              <a:t>oral presentations </a:t>
+            </a:r>
+            <a:endParaRPr lang="en-GB" altLang="da-DK" sz="1800" b="1" dirty="0">
+              <a:solidFill>
+                <a:srgbClr val="A50021"/>
+              </a:solidFill>
+            </a:endParaRPr>
           </a:p>
           <a:p>
             <a:pPr marL="728663" lvl="1" indent="-271463">
@@ -35111,6 +35124,23 @@
 </file>
 
 <file path=customXml/item1.xml><?xml version="1.0" encoding="utf-8"?>
+<?mso-contentType ?>
+<FormTemplates xmlns="http://schemas.microsoft.com/sharepoint/v3/contenttype/forms">
+  <Display>DocumentLibraryForm</Display>
+  <Edit>DocumentLibraryForm</Edit>
+  <New>DocumentLibraryForm</New>
+</FormTemplates>
+</file>
+
+<file path=customXml/item2.xml><?xml version="1.0" encoding="utf-8"?>
+<p:properties xmlns:p="http://schemas.microsoft.com/office/2006/metadata/properties" xmlns:xsi="http://www.w3.org/2001/XMLSchema-instance" xmlns:pc="http://schemas.microsoft.com/office/infopath/2007/PartnerControls">
+  <documentManagement>
+    <_activity xmlns="f659a008-7c21-4ee3-a745-e38581e13101" xsi:nil="true"/>
+  </documentManagement>
+</p:properties>
+</file>
+
+<file path=customXml/item3.xml><?xml version="1.0" encoding="utf-8"?>
 <ct:contentTypeSchema xmlns:ct="http://schemas.microsoft.com/office/2006/metadata/contentType" xmlns:ma="http://schemas.microsoft.com/office/2006/metadata/properties/metaAttributes" ct:_="" ma:_="" ma:contentTypeName="Dokument" ma:contentTypeID="0x01010056836BC33D1E5846BD77C269C61838DB" ma:contentTypeVersion="16" ma:contentTypeDescription="Opret et nyt dokument." ma:contentTypeScope="" ma:versionID="ef3cc48880d2d4424b772cc9d47831bb">
   <xsd:schema xmlns:xsd="http://www.w3.org/2001/XMLSchema" xmlns:xs="http://www.w3.org/2001/XMLSchema" xmlns:p="http://schemas.microsoft.com/office/2006/metadata/properties" xmlns:ns3="f659a008-7c21-4ee3-a745-e38581e13101" xmlns:ns4="e064323b-8959-406a-a3e9-bb6e93638192" targetNamespace="http://schemas.microsoft.com/office/2006/metadata/properties" ma:root="true" ma:fieldsID="f385e854457ff68500d83ba1a633310b" ns3:_="" ns4:_="">
     <xsd:import namespace="f659a008-7c21-4ee3-a745-e38581e13101"/>
@@ -35349,24 +35379,32 @@
 </ct:contentTypeSchema>
 </file>
 
-<file path=customXml/item2.xml><?xml version="1.0" encoding="utf-8"?>
-<?mso-contentType ?>
-<FormTemplates xmlns="http://schemas.microsoft.com/sharepoint/v3/contenttype/forms">
-  <Display>DocumentLibraryForm</Display>
-  <Edit>DocumentLibraryForm</Edit>
-  <New>DocumentLibraryForm</New>
-</FormTemplates>
+<file path=customXml/itemProps1.xml><?xml version="1.0" encoding="utf-8"?>
+<ds:datastoreItem xmlns:ds="http://schemas.openxmlformats.org/officeDocument/2006/customXml" ds:itemID="{0E050818-9E00-44C7-ADA1-EFA4D28596B8}">
+  <ds:schemaRefs>
+    <ds:schemaRef ds:uri="http://schemas.microsoft.com/sharepoint/v3/contenttype/forms"/>
+  </ds:schemaRefs>
+</ds:datastoreItem>
 </file>
 
-<file path=customXml/item3.xml><?xml version="1.0" encoding="utf-8"?>
-<p:properties xmlns:p="http://schemas.microsoft.com/office/2006/metadata/properties" xmlns:xsi="http://www.w3.org/2001/XMLSchema-instance" xmlns:pc="http://schemas.microsoft.com/office/infopath/2007/PartnerControls">
-  <documentManagement>
-    <_activity xmlns="f659a008-7c21-4ee3-a745-e38581e13101" xsi:nil="true"/>
-  </documentManagement>
-</p:properties>
+<file path=customXml/itemProps2.xml><?xml version="1.0" encoding="utf-8"?>
+<ds:datastoreItem xmlns:ds="http://schemas.openxmlformats.org/officeDocument/2006/customXml" ds:itemID="{C73205BE-4669-4DBD-BF41-CFF855E66738}">
+  <ds:schemaRefs>
+    <ds:schemaRef ds:uri="http://schemas.microsoft.com/office/infopath/2007/PartnerControls"/>
+    <ds:schemaRef ds:uri="http://www.w3.org/XML/1998/namespace"/>
+    <ds:schemaRef ds:uri="http://schemas.microsoft.com/office/2006/documentManagement/types"/>
+    <ds:schemaRef ds:uri="http://purl.org/dc/elements/1.1/"/>
+    <ds:schemaRef ds:uri="http://purl.org/dc/dcmitype/"/>
+    <ds:schemaRef ds:uri="http://purl.org/dc/terms/"/>
+    <ds:schemaRef ds:uri="http://schemas.openxmlformats.org/package/2006/metadata/core-properties"/>
+    <ds:schemaRef ds:uri="e064323b-8959-406a-a3e9-bb6e93638192"/>
+    <ds:schemaRef ds:uri="f659a008-7c21-4ee3-a745-e38581e13101"/>
+    <ds:schemaRef ds:uri="http://schemas.microsoft.com/office/2006/metadata/properties"/>
+  </ds:schemaRefs>
+</ds:datastoreItem>
 </file>
 
-<file path=customXml/itemProps1.xml><?xml version="1.0" encoding="utf-8"?>
+<file path=customXml/itemProps3.xml><?xml version="1.0" encoding="utf-8"?>
 <ds:datastoreItem xmlns:ds="http://schemas.openxmlformats.org/officeDocument/2006/customXml" ds:itemID="{73F803D8-DCD2-439F-B2B9-D122825BBA47}">
   <ds:schemaRefs>
     <ds:schemaRef ds:uri="http://schemas.microsoft.com/office/2006/metadata/contentType"/>
@@ -35383,29 +35421,4 @@
     <ds:schemaRef ds:uri="http://schemas.microsoft.com/internal/obd"/>
   </ds:schemaRefs>
 </ds:datastoreItem>
-</file>
-
-<file path=customXml/itemProps2.xml><?xml version="1.0" encoding="utf-8"?>
-<ds:datastoreItem xmlns:ds="http://schemas.openxmlformats.org/officeDocument/2006/customXml" ds:itemID="{0E050818-9E00-44C7-ADA1-EFA4D28596B8}">
-  <ds:schemaRefs>
-    <ds:schemaRef ds:uri="http://schemas.microsoft.com/sharepoint/v3/contenttype/forms"/>
-  </ds:schemaRefs>
-</ds:datastoreItem>
-</file>
-
-<file path=customXml/itemProps3.xml><?xml version="1.0" encoding="utf-8"?>
-<ds:datastoreItem xmlns:ds="http://schemas.openxmlformats.org/officeDocument/2006/customXml" ds:itemID="{C73205BE-4669-4DBD-BF41-CFF855E66738}">
-  <ds:schemaRefs>
-    <ds:schemaRef ds:uri="http://schemas.microsoft.com/office/infopath/2007/PartnerControls"/>
-    <ds:schemaRef ds:uri="http://www.w3.org/XML/1998/namespace"/>
-    <ds:schemaRef ds:uri="http://schemas.microsoft.com/office/2006/documentManagement/types"/>
-    <ds:schemaRef ds:uri="http://purl.org/dc/elements/1.1/"/>
-    <ds:schemaRef ds:uri="http://purl.org/dc/dcmitype/"/>
-    <ds:schemaRef ds:uri="http://purl.org/dc/terms/"/>
-    <ds:schemaRef ds:uri="http://schemas.openxmlformats.org/package/2006/metadata/core-properties"/>
-    <ds:schemaRef ds:uri="e064323b-8959-406a-a3e9-bb6e93638192"/>
-    <ds:schemaRef ds:uri="f659a008-7c21-4ee3-a745-e38581e13101"/>
-    <ds:schemaRef ds:uri="http://schemas.microsoft.com/office/2006/metadata/properties"/>
-  </ds:schemaRefs>
-</ds:datastoreItem>
 </file>